--- a/client/public/assets/스마트한_추적놀이_스토리보드.pptx
+++ b/client/public/assets/스마트한_추적놀이_스토리보드.pptx
@@ -843,7 +843,7 @@
               <a:pPr>
                 <a:defRPr/>
               </a:pPr>
-              <a:t>2023-06-26</a:t>
+              <a:t>2023-07-20</a:t>
             </a:fld>
             <a:endParaRPr lang="en-US" altLang="ko-KR" dirty="0"/>
           </a:p>
@@ -3160,7 +3160,7 @@
           <a:p>
             <a:fld id="{C764DE79-268F-4C1A-8933-263129D2AF90}" type="datetimeFigureOut">
               <a:rPr lang="en-US" dirty="0"/>
-              <a:t>6/26/2023</a:t>
+              <a:t>7/20/2023</a:t>
             </a:fld>
             <a:endParaRPr lang="en-US" dirty="0"/>
           </a:p>
@@ -11292,7 +11292,7 @@
                 <a:latin typeface="+mj-ea"/>
                 <a:ea typeface="+mj-ea"/>
               </a:rPr>
-              <a:t>2020</a:t>
+              <a:t>2023</a:t>
             </a:r>
             <a:r>
               <a:rPr lang="ko-KR" altLang="en-US" dirty="0">
@@ -11325,6 +11325,13 @@
           <a:bodyPr/>
           <a:lstStyle/>
           <a:p>
+            <a:r>
+              <a:rPr lang="ko-KR" altLang="en-US" dirty="0">
+                <a:latin typeface="+mj-ea"/>
+                <a:ea typeface="+mj-ea"/>
+              </a:rPr>
+              <a:t> </a:t>
+            </a:r>
             <a:fld id="{1B212253-8832-4964-A6FE-BE42098DC62A}" type="slidenum">
               <a:rPr lang="ko-KR" altLang="en-US" smtClean="0">
                 <a:latin typeface="+mj-ea"/>
@@ -11355,7 +11362,7 @@
           <p:nvPr>
             <p:extLst>
               <p:ext uri="{D42A27DB-BD31-4B8C-83A1-F6EECF244321}">
-                <p14:modId xmlns:p14="http://schemas.microsoft.com/office/powerpoint/2010/main" val="1432498072"/>
+                <p14:modId xmlns:p14="http://schemas.microsoft.com/office/powerpoint/2010/main" val="122995349"/>
               </p:ext>
             </p:extLst>
           </p:nvPr>
@@ -13117,6 +13124,13 @@
                     <a:lstStyle/>
                     <a:p>
                       <a:pPr algn="ctr" latinLnBrk="1"/>
+                      <a:r>
+                        <a:rPr lang="en-US" altLang="ko-KR" sz="1100" dirty="0">
+                          <a:latin typeface="+mn-ea"/>
+                          <a:ea typeface="+mn-ea"/>
+                        </a:rPr>
+                        <a:t>2.0.2</a:t>
+                      </a:r>
                       <a:endParaRPr lang="ko-KR" altLang="en-US" sz="1100" dirty="0">
                         <a:latin typeface="+mn-ea"/>
                         <a:ea typeface="+mn-ea"/>
@@ -13180,6 +13194,13 @@
                     <a:lstStyle/>
                     <a:p>
                       <a:pPr algn="ctr" latinLnBrk="1"/>
+                      <a:r>
+                        <a:rPr lang="en-US" altLang="ko-KR" sz="1100" dirty="0">
+                          <a:latin typeface="+mn-ea"/>
+                          <a:ea typeface="+mn-ea"/>
+                        </a:rPr>
+                        <a:t>23.07.20</a:t>
+                      </a:r>
                       <a:endParaRPr lang="ko-KR" altLang="en-US" sz="1100" dirty="0">
                         <a:latin typeface="+mn-ea"/>
                         <a:ea typeface="+mn-ea"/>
@@ -13243,10 +13264,13 @@
                     <a:lstStyle/>
                     <a:p>
                       <a:pPr algn="l" latinLnBrk="1"/>
-                      <a:endParaRPr lang="ko-KR" altLang="en-US" sz="1100" dirty="0">
-                        <a:latin typeface="+mn-ea"/>
-                        <a:ea typeface="+mn-ea"/>
-                      </a:endParaRPr>
+                      <a:r>
+                        <a:rPr lang="ko-KR" altLang="en-US" sz="1100" dirty="0">
+                          <a:latin typeface="+mn-ea"/>
+                          <a:ea typeface="+mn-ea"/>
+                        </a:rPr>
+                        <a:t>관리자 각 조의 정보 등록 버튼 추가</a:t>
+                      </a:r>
                     </a:p>
                   </a:txBody>
                   <a:tcPr anchor="ctr">
@@ -13306,10 +13330,13 @@
                     <a:lstStyle/>
                     <a:p>
                       <a:pPr algn="ctr" latinLnBrk="1"/>
-                      <a:endParaRPr lang="ko-KR" altLang="en-US" sz="1100" dirty="0">
-                        <a:latin typeface="+mn-ea"/>
-                        <a:ea typeface="+mn-ea"/>
-                      </a:endParaRPr>
+                      <a:r>
+                        <a:rPr lang="ko-KR" altLang="en-US" sz="1100" dirty="0">
+                          <a:latin typeface="+mn-ea"/>
+                          <a:ea typeface="+mn-ea"/>
+                        </a:rPr>
+                        <a:t>박수현</a:t>
+                      </a:r>
                     </a:p>
                   </a:txBody>
                   <a:tcPr anchor="ctr">
@@ -13369,10 +13396,13 @@
                     <a:lstStyle/>
                     <a:p>
                       <a:pPr algn="ctr" latinLnBrk="1"/>
-                      <a:endParaRPr lang="ko-KR" altLang="en-US" sz="1100" dirty="0">
-                        <a:latin typeface="+mn-ea"/>
-                        <a:ea typeface="+mn-ea"/>
-                      </a:endParaRPr>
+                      <a:r>
+                        <a:rPr lang="ko-KR" altLang="en-US" sz="1100" dirty="0">
+                          <a:latin typeface="+mn-ea"/>
+                          <a:ea typeface="+mn-ea"/>
+                        </a:rPr>
+                        <a:t>박수현</a:t>
+                      </a:r>
                     </a:p>
                   </a:txBody>
                   <a:tcPr anchor="ctr">
@@ -13432,10 +13462,13 @@
                     <a:lstStyle/>
                     <a:p>
                       <a:pPr algn="ctr" latinLnBrk="1"/>
-                      <a:endParaRPr lang="ko-KR" altLang="en-US" sz="1100" dirty="0">
-                        <a:latin typeface="+mn-ea"/>
-                        <a:ea typeface="+mn-ea"/>
-                      </a:endParaRPr>
+                      <a:r>
+                        <a:rPr lang="ko-KR" altLang="en-US" sz="1100" dirty="0">
+                          <a:latin typeface="+mn-ea"/>
+                          <a:ea typeface="+mn-ea"/>
+                        </a:rPr>
+                        <a:t>박수현</a:t>
+                      </a:r>
                     </a:p>
                   </a:txBody>
                   <a:tcPr anchor="ctr">
@@ -24760,10 +24793,10 @@
       </p:grpSpPr>
       <p:pic>
         <p:nvPicPr>
-          <p:cNvPr id="12" name="그림 11" descr="텍스트, 스크린샷, 폰트, 번호이(가) 표시된 사진&#10;&#10;자동 생성된 설명">
+          <p:cNvPr id="5" name="그림 4" descr="텍스트, 스크린샷, 폰트, 번호이(가) 표시된 사진&#10;&#10;자동 생성된 설명">
             <a:extLst>
               <a:ext uri="{FF2B5EF4-FFF2-40B4-BE49-F238E27FC236}">
-                <a16:creationId xmlns:a16="http://schemas.microsoft.com/office/drawing/2014/main" id="{DE2E46DD-4CF7-EB74-259D-3E54F61987CB}"/>
+                <a16:creationId xmlns:a16="http://schemas.microsoft.com/office/drawing/2014/main" id="{EA546B75-2098-8820-4462-D9AD9DAED730}"/>
               </a:ext>
             </a:extLst>
           </p:cNvPr>
@@ -24786,8 +24819,8 @@
         </p:blipFill>
         <p:spPr>
           <a:xfrm>
-            <a:off x="1763687" y="774751"/>
-            <a:ext cx="4161407" cy="5723483"/>
+            <a:off x="1763686" y="774750"/>
+            <a:ext cx="4161408" cy="5723484"/>
           </a:xfrm>
           <a:prstGeom prst="rect">
             <a:avLst/>
@@ -25785,10 +25818,10 @@
       </p:grpSpPr>
       <p:pic>
         <p:nvPicPr>
-          <p:cNvPr id="10" name="그림 9" descr="텍스트, 스크린샷, 폰트, 번호이(가) 표시된 사진&#10;&#10;자동 생성된 설명">
+          <p:cNvPr id="13" name="그림 12" descr="텍스트, 스크린샷, 폰트, 번호이(가) 표시된 사진&#10;&#10;자동 생성된 설명">
             <a:extLst>
               <a:ext uri="{FF2B5EF4-FFF2-40B4-BE49-F238E27FC236}">
-                <a16:creationId xmlns:a16="http://schemas.microsoft.com/office/drawing/2014/main" id="{BE24B641-5430-A4AF-A1C2-777C65CF97A6}"/>
+                <a16:creationId xmlns:a16="http://schemas.microsoft.com/office/drawing/2014/main" id="{31354137-C6A0-912B-0361-363444229ECC}"/>
               </a:ext>
             </a:extLst>
           </p:cNvPr>
@@ -25811,7 +25844,7 @@
         </p:blipFill>
         <p:spPr>
           <a:xfrm>
-            <a:off x="1693066" y="1412776"/>
+            <a:off x="1688951" y="1412776"/>
             <a:ext cx="4192426" cy="4394704"/>
           </a:xfrm>
           <a:prstGeom prst="rect">
@@ -25927,7 +25960,7 @@
         <p:spPr>
           <a:xfrm>
             <a:off x="7396756" y="1601757"/>
-            <a:ext cx="1747244" cy="1841338"/>
+            <a:ext cx="1747244" cy="2112181"/>
           </a:xfrm>
           <a:prstGeom prst="rect">
             <a:avLst/>
@@ -26127,7 +26160,7 @@
                 <a:latin typeface="+mj-ea"/>
                 <a:ea typeface="+mj-ea"/>
               </a:rPr>
-              <a:t>해당 조의 모든 정보가 삭제됨</a:t>
+              <a:t>해당 조의 모든 정보가 저장됨</a:t>
             </a:r>
             <a:endParaRPr lang="en-US" altLang="ko-KR" sz="800" dirty="0">
               <a:latin typeface="+mj-ea"/>
@@ -26146,6 +26179,56 @@
                 <a:ea typeface="+mj-ea"/>
               </a:rPr>
               <a:t>4. </a:t>
+            </a:r>
+            <a:r>
+              <a:rPr lang="ko-KR" altLang="en-US" sz="800" dirty="0">
+                <a:latin typeface="+mj-ea"/>
+                <a:ea typeface="+mj-ea"/>
+              </a:rPr>
+              <a:t>클릭 시</a:t>
+            </a:r>
+            <a:endParaRPr lang="en-US" altLang="ko-KR" sz="800" dirty="0">
+              <a:latin typeface="+mj-ea"/>
+              <a:ea typeface="+mj-ea"/>
+            </a:endParaRPr>
+          </a:p>
+          <a:p>
+            <a:pPr>
+              <a:lnSpc>
+                <a:spcPct val="110000"/>
+              </a:lnSpc>
+            </a:pPr>
+            <a:r>
+              <a:rPr lang="en-US" altLang="ko-KR" sz="800" dirty="0">
+                <a:latin typeface="+mj-ea"/>
+                <a:ea typeface="+mj-ea"/>
+              </a:rPr>
+              <a:t>   </a:t>
+            </a:r>
+            <a:r>
+              <a:rPr lang="ko-KR" altLang="en-US" sz="800" dirty="0">
+                <a:latin typeface="+mj-ea"/>
+                <a:ea typeface="+mj-ea"/>
+              </a:rPr>
+              <a:t>해당 조의 모든 정보가 삭제됨</a:t>
+            </a:r>
+            <a:endParaRPr lang="en-US" altLang="ko-KR" sz="800" dirty="0">
+              <a:latin typeface="+mj-ea"/>
+              <a:ea typeface="+mj-ea"/>
+            </a:endParaRPr>
+          </a:p>
+          <a:p>
+            <a:pPr>
+              <a:lnSpc>
+                <a:spcPct val="110000"/>
+              </a:lnSpc>
+            </a:pPr>
+            <a:r>
+              <a:rPr lang="en-US" altLang="ko-KR" sz="800" dirty="0">
+                <a:latin typeface="+mj-ea"/>
+                <a:ea typeface="+mj-ea"/>
+              </a:rPr>
+              <a:t>5. </a:t>
             </a:r>
             <a:r>
               <a:rPr lang="ko-KR" altLang="en-US" sz="800" dirty="0">
@@ -26510,7 +26593,7 @@
                 <a:latin typeface="+mj-ea"/>
                 <a:ea typeface="+mj-ea"/>
               </a:rPr>
-              <a:t>4</a:t>
+              <a:t>5</a:t>
             </a:r>
             <a:endParaRPr lang="ko-KR" altLang="en-US" sz="1400" b="1" dirty="0">
               <a:solidFill>
@@ -26537,7 +26620,7 @@
         <p:spPr>
           <a:xfrm>
             <a:off x="2339752" y="1558564"/>
-            <a:ext cx="2952328" cy="792088"/>
+            <a:ext cx="2520280" cy="792088"/>
           </a:xfrm>
           <a:prstGeom prst="roundRect">
             <a:avLst>
@@ -26661,7 +26744,7 @@
         </p:nvSpPr>
         <p:spPr>
           <a:xfrm>
-            <a:off x="5186913" y="1412776"/>
+            <a:off x="4788024" y="1455968"/>
             <a:ext cx="291577" cy="291577"/>
           </a:xfrm>
           <a:prstGeom prst="ellipse">
@@ -26706,6 +26789,76 @@
                 <a:ea typeface="+mj-ea"/>
               </a:rPr>
               <a:t>3</a:t>
+            </a:r>
+            <a:endParaRPr lang="ko-KR" altLang="en-US" sz="1400" b="1" dirty="0">
+              <a:solidFill>
+                <a:schemeClr val="tx1"/>
+              </a:solidFill>
+              <a:latin typeface="+mj-ea"/>
+              <a:ea typeface="+mj-ea"/>
+            </a:endParaRPr>
+          </a:p>
+        </p:txBody>
+      </p:sp>
+      <p:sp>
+        <p:nvSpPr>
+          <p:cNvPr id="14" name="타원 13">
+            <a:extLst>
+              <a:ext uri="{FF2B5EF4-FFF2-40B4-BE49-F238E27FC236}">
+                <a16:creationId xmlns:a16="http://schemas.microsoft.com/office/drawing/2014/main" id="{27853BAA-9EDF-BE01-A803-0B033ABB5BD7}"/>
+              </a:ext>
+            </a:extLst>
+          </p:cNvPr>
+          <p:cNvSpPr/>
+          <p:nvPr/>
+        </p:nvSpPr>
+        <p:spPr>
+          <a:xfrm>
+            <a:off x="4788024" y="1903310"/>
+            <a:ext cx="291577" cy="291577"/>
+          </a:xfrm>
+          <a:prstGeom prst="ellipse">
+            <a:avLst/>
+          </a:prstGeom>
+          <a:solidFill>
+            <a:srgbClr val="FFFF00"/>
+          </a:solidFill>
+          <a:ln w="19050">
+            <a:solidFill>
+              <a:srgbClr val="FF0000"/>
+            </a:solidFill>
+          </a:ln>
+        </p:spPr>
+        <p:style>
+          <a:lnRef idx="2">
+            <a:schemeClr val="accent1">
+              <a:shade val="50000"/>
+            </a:schemeClr>
+          </a:lnRef>
+          <a:fillRef idx="1">
+            <a:schemeClr val="accent1"/>
+          </a:fillRef>
+          <a:effectRef idx="0">
+            <a:schemeClr val="accent1"/>
+          </a:effectRef>
+          <a:fontRef idx="minor">
+            <a:schemeClr val="lt1"/>
+          </a:fontRef>
+        </p:style>
+        <p:txBody>
+          <a:bodyPr rtlCol="0" anchor="ctr"/>
+          <a:lstStyle/>
+          <a:p>
+            <a:pPr algn="ctr"/>
+            <a:r>
+              <a:rPr lang="en-US" altLang="ko-KR" sz="1400" b="1" dirty="0">
+                <a:solidFill>
+                  <a:schemeClr val="tx1"/>
+                </a:solidFill>
+                <a:latin typeface="+mj-ea"/>
+                <a:ea typeface="+mj-ea"/>
+              </a:rPr>
+              <a:t>4</a:t>
             </a:r>
             <a:endParaRPr lang="ko-KR" altLang="en-US" sz="1400" b="1" dirty="0">
               <a:solidFill>
